--- a/esercitazione_2/documents/Esercitazione 2.pptx
+++ b/esercitazione_2/documents/Esercitazione 2.pptx
@@ -11,37 +11,38 @@
     <p:sldId id="259" r:id="rId5"/>
     <p:sldId id="260" r:id="rId6"/>
     <p:sldId id="262" r:id="rId7"/>
-    <p:sldId id="261" r:id="rId8"/>
+    <p:sldId id="263" r:id="rId8"/>
+    <p:sldId id="261" r:id="rId9"/>
   </p:sldIdLst>
   <p:sldSz cx="18288000" cy="10287000"/>
   <p:notesSz cx="6858000" cy="9144000"/>
   <p:embeddedFontLst>
     <p:embeddedFont>
       <p:font typeface="Calibri" panose="020F0502020204030204" pitchFamily="34" charset="0"/>
-      <p:regular r:id="rId9"/>
-      <p:bold r:id="rId10"/>
-      <p:italic r:id="rId11"/>
-      <p:boldItalic r:id="rId12"/>
+      <p:regular r:id="rId10"/>
+      <p:bold r:id="rId11"/>
+      <p:italic r:id="rId12"/>
+      <p:boldItalic r:id="rId13"/>
     </p:embeddedFont>
     <p:embeddedFont>
       <p:font typeface="Open Sans" panose="020B0606030504020204" pitchFamily="34" charset="0"/>
-      <p:regular r:id="rId13"/>
-      <p:bold r:id="rId14"/>
-      <p:italic r:id="rId15"/>
-      <p:boldItalic r:id="rId16"/>
+      <p:regular r:id="rId14"/>
+      <p:bold r:id="rId15"/>
+      <p:italic r:id="rId16"/>
+      <p:boldItalic r:id="rId17"/>
     </p:embeddedFont>
     <p:embeddedFont>
       <p:font typeface="Open Sans Extra Bold" panose="020B0604020202020204" charset="0"/>
-      <p:regular r:id="rId17"/>
+      <p:regular r:id="rId18"/>
     </p:embeddedFont>
     <p:embeddedFont>
       <p:font typeface="Open Sans Light" panose="020B0306030504020204" pitchFamily="34" charset="0"/>
-      <p:regular r:id="rId18"/>
-      <p:italic r:id="rId19"/>
+      <p:regular r:id="rId19"/>
+      <p:italic r:id="rId20"/>
     </p:embeddedFont>
     <p:embeddedFont>
       <p:font typeface="Open Sans Light Bold" panose="020B0604020202020204" charset="0"/>
-      <p:regular r:id="rId20"/>
+      <p:regular r:id="rId21"/>
     </p:embeddedFont>
   </p:embeddedFontLst>
   <p:defaultTextStyle>
@@ -162,6 +163,7 @@
 <p1510:revInfo xmlns:a="http://schemas.openxmlformats.org/drawingml/2006/main" xmlns:r="http://schemas.openxmlformats.org/officeDocument/2006/relationships" xmlns:p1510="http://schemas.microsoft.com/office/powerpoint/2015/10/main">
   <p1510:revLst>
     <p1510:client id="{27A5FE5C-EBA1-D52E-26F5-14B68FADEB2C}" v="1355" dt="2021-10-18T08:07:46.498"/>
+    <p1510:client id="{6C2AB754-F230-5C54-6089-DCD5D81F80C8}" v="176" dt="2021-10-25T16:21:51.390"/>
     <p1510:client id="{A357C6EE-BD73-3617-96F2-EA3E9DF591D7}" v="969" dt="2021-10-22T14:05:40.998"/>
   </p1510:revLst>
 </p1510:revInfo>
@@ -347,7 +349,7 @@
             <a:fld id="{1D8BD707-D9CF-40AE-B4C6-C98DA3205C09}" type="datetimeFigureOut">
               <a:rPr lang="en-US" smtClean="0"/>
               <a:pPr/>
-              <a:t>10/22/2021</a:t>
+              <a:t>10/25/2021</a:t>
             </a:fld>
             <a:endParaRPr lang="en-US"/>
           </a:p>
@@ -512,7 +514,7 @@
             <a:fld id="{1D8BD707-D9CF-40AE-B4C6-C98DA3205C09}" type="datetimeFigureOut">
               <a:rPr lang="en-US" smtClean="0"/>
               <a:pPr/>
-              <a:t>10/22/2021</a:t>
+              <a:t>10/25/2021</a:t>
             </a:fld>
             <a:endParaRPr lang="en-US"/>
           </a:p>
@@ -687,7 +689,7 @@
             <a:fld id="{1D8BD707-D9CF-40AE-B4C6-C98DA3205C09}" type="datetimeFigureOut">
               <a:rPr lang="en-US" smtClean="0"/>
               <a:pPr/>
-              <a:t>10/22/2021</a:t>
+              <a:t>10/25/2021</a:t>
             </a:fld>
             <a:endParaRPr lang="en-US"/>
           </a:p>
@@ -852,7 +854,7 @@
             <a:fld id="{1D8BD707-D9CF-40AE-B4C6-C98DA3205C09}" type="datetimeFigureOut">
               <a:rPr lang="en-US" smtClean="0"/>
               <a:pPr/>
-              <a:t>10/22/2021</a:t>
+              <a:t>10/25/2021</a:t>
             </a:fld>
             <a:endParaRPr lang="en-US"/>
           </a:p>
@@ -1094,7 +1096,7 @@
             <a:fld id="{1D8BD707-D9CF-40AE-B4C6-C98DA3205C09}" type="datetimeFigureOut">
               <a:rPr lang="en-US" smtClean="0"/>
               <a:pPr/>
-              <a:t>10/22/2021</a:t>
+              <a:t>10/25/2021</a:t>
             </a:fld>
             <a:endParaRPr lang="en-US"/>
           </a:p>
@@ -1376,7 +1378,7 @@
             <a:fld id="{1D8BD707-D9CF-40AE-B4C6-C98DA3205C09}" type="datetimeFigureOut">
               <a:rPr lang="en-US" smtClean="0"/>
               <a:pPr/>
-              <a:t>10/22/2021</a:t>
+              <a:t>10/25/2021</a:t>
             </a:fld>
             <a:endParaRPr lang="en-US"/>
           </a:p>
@@ -1792,7 +1794,7 @@
             <a:fld id="{1D8BD707-D9CF-40AE-B4C6-C98DA3205C09}" type="datetimeFigureOut">
               <a:rPr lang="en-US" smtClean="0"/>
               <a:pPr/>
-              <a:t>10/22/2021</a:t>
+              <a:t>10/25/2021</a:t>
             </a:fld>
             <a:endParaRPr lang="en-US"/>
           </a:p>
@@ -1906,7 +1908,7 @@
             <a:fld id="{1D8BD707-D9CF-40AE-B4C6-C98DA3205C09}" type="datetimeFigureOut">
               <a:rPr lang="en-US" smtClean="0"/>
               <a:pPr/>
-              <a:t>10/22/2021</a:t>
+              <a:t>10/25/2021</a:t>
             </a:fld>
             <a:endParaRPr lang="en-US"/>
           </a:p>
@@ -1998,7 +2000,7 @@
             <a:fld id="{1D8BD707-D9CF-40AE-B4C6-C98DA3205C09}" type="datetimeFigureOut">
               <a:rPr lang="en-US" smtClean="0"/>
               <a:pPr/>
-              <a:t>10/22/2021</a:t>
+              <a:t>10/25/2021</a:t>
             </a:fld>
             <a:endParaRPr lang="en-US"/>
           </a:p>
@@ -2270,7 +2272,7 @@
             <a:fld id="{1D8BD707-D9CF-40AE-B4C6-C98DA3205C09}" type="datetimeFigureOut">
               <a:rPr lang="en-US" smtClean="0"/>
               <a:pPr/>
-              <a:t>10/22/2021</a:t>
+              <a:t>10/25/2021</a:t>
             </a:fld>
             <a:endParaRPr lang="en-US"/>
           </a:p>
@@ -2519,7 +2521,7 @@
             <a:fld id="{1D8BD707-D9CF-40AE-B4C6-C98DA3205C09}" type="datetimeFigureOut">
               <a:rPr lang="en-US" smtClean="0"/>
               <a:pPr/>
-              <a:t>10/22/2021</a:t>
+              <a:t>10/25/2021</a:t>
             </a:fld>
             <a:endParaRPr lang="en-US"/>
           </a:p>
@@ -2727,7 +2729,7 @@
             <a:fld id="{1D8BD707-D9CF-40AE-B4C6-C98DA3205C09}" type="datetimeFigureOut">
               <a:rPr lang="en-US" smtClean="0"/>
               <a:pPr/>
-              <a:t>10/22/2021</a:t>
+              <a:t>10/25/2021</a:t>
             </a:fld>
             <a:endParaRPr lang="en-US"/>
           </a:p>
@@ -6970,6 +6972,96 @@
           </a:p>
         </p:txBody>
       </p:sp>
+      <p:pic>
+        <p:nvPicPr>
+          <p:cNvPr id="2" name="Picture 2" descr="Text&#10;&#10;Description automatically generated">
+            <a:extLst>
+              <a:ext uri="{FF2B5EF4-FFF2-40B4-BE49-F238E27FC236}">
+                <a16:creationId xmlns:a16="http://schemas.microsoft.com/office/drawing/2014/main" id="{D595A8D6-CBE2-4DE8-97A7-8E55B6341D55}"/>
+              </a:ext>
+            </a:extLst>
+          </p:cNvPr>
+          <p:cNvPicPr>
+            <a:picLocks noChangeAspect="1"/>
+          </p:cNvPicPr>
+          <p:nvPr/>
+        </p:nvPicPr>
+        <p:blipFill>
+          <a:blip r:embed="rId2"/>
+          <a:stretch>
+            <a:fillRect/>
+          </a:stretch>
+        </p:blipFill>
+        <p:spPr>
+          <a:xfrm>
+            <a:off x="103936" y="3485184"/>
+            <a:ext cx="7545725" cy="3628618"/>
+          </a:xfrm>
+          <a:prstGeom prst="rect">
+            <a:avLst/>
+          </a:prstGeom>
+        </p:spPr>
+      </p:pic>
+      <p:pic>
+        <p:nvPicPr>
+          <p:cNvPr id="3" name="Picture 3" descr="Text&#10;&#10;Description automatically generated">
+            <a:extLst>
+              <a:ext uri="{FF2B5EF4-FFF2-40B4-BE49-F238E27FC236}">
+                <a16:creationId xmlns:a16="http://schemas.microsoft.com/office/drawing/2014/main" id="{C0382B97-FEEF-4F42-82F8-3E4162E20D50}"/>
+              </a:ext>
+            </a:extLst>
+          </p:cNvPr>
+          <p:cNvPicPr>
+            <a:picLocks noChangeAspect="1"/>
+          </p:cNvPicPr>
+          <p:nvPr/>
+        </p:nvPicPr>
+        <p:blipFill>
+          <a:blip r:embed="rId3"/>
+          <a:stretch>
+            <a:fillRect/>
+          </a:stretch>
+        </p:blipFill>
+        <p:spPr>
+          <a:xfrm>
+            <a:off x="7925785" y="5301872"/>
+            <a:ext cx="8519276" cy="4822885"/>
+          </a:xfrm>
+          <a:prstGeom prst="rect">
+            <a:avLst/>
+          </a:prstGeom>
+        </p:spPr>
+      </p:pic>
+      <p:pic>
+        <p:nvPicPr>
+          <p:cNvPr id="4" name="Picture 4" descr="Text&#10;&#10;Description automatically generated">
+            <a:extLst>
+              <a:ext uri="{FF2B5EF4-FFF2-40B4-BE49-F238E27FC236}">
+                <a16:creationId xmlns:a16="http://schemas.microsoft.com/office/drawing/2014/main" id="{52A6BB9A-A6EA-4ECF-9E5A-202A13684BA8}"/>
+              </a:ext>
+            </a:extLst>
+          </p:cNvPr>
+          <p:cNvPicPr>
+            <a:picLocks noChangeAspect="1"/>
+          </p:cNvPicPr>
+          <p:nvPr/>
+        </p:nvPicPr>
+        <p:blipFill>
+          <a:blip r:embed="rId4"/>
+          <a:stretch>
+            <a:fillRect/>
+          </a:stretch>
+        </p:blipFill>
+        <p:spPr>
+          <a:xfrm>
+            <a:off x="7938667" y="52642"/>
+            <a:ext cx="8519277" cy="5137821"/>
+          </a:xfrm>
+          <a:prstGeom prst="rect">
+            <a:avLst/>
+          </a:prstGeom>
+        </p:spPr>
+      </p:pic>
     </p:spTree>
   </p:cSld>
   <p:clrMapOvr>
@@ -7640,8 +7732,8 @@
         </p:nvGrpSpPr>
         <p:grpSpPr>
           <a:xfrm>
-            <a:off x="8629650" y="0"/>
-            <a:ext cx="9658350" cy="10287000"/>
+            <a:off x="-12284" y="0"/>
+            <a:ext cx="18300284" cy="10287000"/>
             <a:chOff x="0" y="0"/>
             <a:chExt cx="3267146" cy="3479800"/>
           </a:xfrm>
@@ -7797,7 +7889,7 @@
                 </a:lnSpc>
               </a:pPr>
               <a:r>
-                <a:rPr lang="en-US" sz="3350" dirty="0">
+                <a:rPr lang="en-US" sz="3350">
                   <a:solidFill>
                     <a:srgbClr val="FFFFFF"/>
                   </a:solidFill>
@@ -7807,6 +7899,539 @@
                 </a:rPr>
                 <a:t>7</a:t>
               </a:r>
+              <a:endParaRPr lang="en-US" sz="3350" dirty="0">
+                <a:solidFill>
+                  <a:srgbClr val="FFFFFF"/>
+                </a:solidFill>
+                <a:latin typeface="Open Sans Light Bold"/>
+                <a:ea typeface="Open Sans Light Bold"/>
+                <a:cs typeface="Open Sans Light Bold"/>
+              </a:endParaRPr>
+            </a:p>
+          </p:txBody>
+        </p:sp>
+      </p:grpSp>
+      <p:sp>
+        <p:nvSpPr>
+          <p:cNvPr id="8" name="TextBox 8"/>
+          <p:cNvSpPr txBox="1"/>
+          <p:nvPr/>
+        </p:nvSpPr>
+        <p:spPr>
+          <a:xfrm>
+            <a:off x="350490" y="569687"/>
+            <a:ext cx="6214170" cy="909736"/>
+          </a:xfrm>
+          <a:prstGeom prst="rect">
+            <a:avLst/>
+          </a:prstGeom>
+        </p:spPr>
+        <p:txBody>
+          <a:bodyPr lIns="0" tIns="0" rIns="0" bIns="0" rtlCol="0" anchor="t">
+            <a:spAutoFit/>
+          </a:bodyPr>
+          <a:lstStyle/>
+          <a:p>
+            <a:pPr algn="just">
+              <a:lnSpc>
+                <a:spcPts val="7559"/>
+              </a:lnSpc>
+            </a:pPr>
+            <a:r>
+              <a:rPr lang="en-US" sz="5400">
+                <a:solidFill>
+                  <a:schemeClr val="bg1"/>
+                </a:solidFill>
+                <a:latin typeface="Open Sans Extra Bold"/>
+              </a:rPr>
+              <a:t>Benchmarks</a:t>
+            </a:r>
+            <a:endParaRPr lang="en-US" sz="5400" dirty="0">
+              <a:solidFill>
+                <a:schemeClr val="bg1"/>
+              </a:solidFill>
+              <a:latin typeface="Open Sans Extra Bold"/>
+              <a:ea typeface="Open Sans Extra Bold"/>
+              <a:cs typeface="Open Sans Extra Bold"/>
+            </a:endParaRPr>
+          </a:p>
+        </p:txBody>
+      </p:sp>
+      <p:sp>
+        <p:nvSpPr>
+          <p:cNvPr id="9" name="TextBox 30">
+            <a:extLst>
+              <a:ext uri="{FF2B5EF4-FFF2-40B4-BE49-F238E27FC236}">
+                <a16:creationId xmlns:a16="http://schemas.microsoft.com/office/drawing/2014/main" id="{A8D948AD-B12E-4B99-9E8F-0F4121024E9D}"/>
+              </a:ext>
+            </a:extLst>
+          </p:cNvPr>
+          <p:cNvSpPr txBox="1"/>
+          <p:nvPr/>
+        </p:nvSpPr>
+        <p:spPr>
+          <a:xfrm>
+            <a:off x="355797" y="1850230"/>
+            <a:ext cx="7509570" cy="4969437"/>
+          </a:xfrm>
+          <a:prstGeom prst="rect">
+            <a:avLst/>
+          </a:prstGeom>
+        </p:spPr>
+        <p:txBody>
+          <a:bodyPr wrap="square" lIns="0" tIns="0" rIns="0" bIns="0" rtlCol="0" anchor="t">
+            <a:spAutoFit/>
+          </a:bodyPr>
+          <a:lstStyle/>
+          <a:p>
+            <a:pPr>
+              <a:lnSpc>
+                <a:spcPts val="3863"/>
+              </a:lnSpc>
+              <a:spcBef>
+                <a:spcPct val="0"/>
+              </a:spcBef>
+            </a:pPr>
+            <a:r>
+              <a:rPr lang="en-US" sz="2750">
+                <a:solidFill>
+                  <a:schemeClr val="bg1"/>
+                </a:solidFill>
+                <a:latin typeface="&amp;quot;Open Sans Light_MSFontSer"/>
+                <a:ea typeface="+mn-lt"/>
+                <a:cs typeface="+mn-lt"/>
+              </a:rPr>
+              <a:t>Riferimenti benchmark:</a:t>
+            </a:r>
+            <a:br>
+              <a:rPr lang="en-US" sz="2750" dirty="0">
+                <a:latin typeface="&amp;quot;Open Sans Light_MSFontSer"/>
+                <a:ea typeface="+mn-lt"/>
+                <a:cs typeface="+mn-lt"/>
+              </a:rPr>
+            </a:br>
+            <a:r>
+              <a:rPr lang="en-US" sz="2750">
+                <a:solidFill>
+                  <a:schemeClr val="bg1"/>
+                </a:solidFill>
+                <a:latin typeface="&amp;quot;Open Sans Light_MSFontSer"/>
+                <a:ea typeface="+mn-lt"/>
+                <a:cs typeface="+mn-lt"/>
+              </a:rPr>
+              <a:t>cpu: i7 7700k - ram 32gb ddr4 3200mhz</a:t>
+            </a:r>
+            <a:endParaRPr lang="en-US">
+              <a:solidFill>
+                <a:schemeClr val="bg1"/>
+              </a:solidFill>
+              <a:latin typeface="&amp;quot;Open Sans Light_MSFontSer"/>
+              <a:ea typeface="+mn-lt"/>
+              <a:cs typeface="+mn-lt"/>
+            </a:endParaRPr>
+          </a:p>
+          <a:p>
+            <a:pPr>
+              <a:lnSpc>
+                <a:spcPts val="3863"/>
+              </a:lnSpc>
+              <a:spcBef>
+                <a:spcPct val="0"/>
+              </a:spcBef>
+            </a:pPr>
+            <a:br>
+              <a:rPr lang="en-US" sz="2750" dirty="0">
+                <a:latin typeface="&amp;quot;Open Sans Light_MSFontSer"/>
+                <a:ea typeface="+mn-lt"/>
+                <a:cs typeface="+mn-lt"/>
+              </a:rPr>
+            </a:br>
+            <a:r>
+              <a:rPr lang="en-US" sz="2750">
+                <a:solidFill>
+                  <a:schemeClr val="bg1"/>
+                </a:solidFill>
+                <a:latin typeface="&amp;quot;Open Sans Light_MSFontSer"/>
+                <a:ea typeface="+mn-lt"/>
+                <a:cs typeface="+mn-lt"/>
+              </a:rPr>
+              <a:t>6 file da:</a:t>
+            </a:r>
+            <a:br>
+              <a:rPr lang="en-US" sz="2750" dirty="0">
+                <a:latin typeface="&amp;quot;Open Sans Light_MSFontSer"/>
+                <a:ea typeface="+mn-lt"/>
+                <a:cs typeface="+mn-lt"/>
+              </a:rPr>
+            </a:br>
+            <a:r>
+              <a:rPr lang="en-US" sz="2750">
+                <a:solidFill>
+                  <a:schemeClr val="bg1"/>
+                </a:solidFill>
+                <a:latin typeface="&amp;quot;Open Sans Light_MSFontSer"/>
+                <a:ea typeface="+mn-lt"/>
+                <a:cs typeface="+mn-lt"/>
+              </a:rPr>
+              <a:t>- 35kb</a:t>
+            </a:r>
+            <a:br>
+              <a:rPr lang="en-US" sz="2750" dirty="0">
+                <a:latin typeface="&amp;quot;Open Sans Light_MSFontSer"/>
+                <a:ea typeface="+mn-lt"/>
+                <a:cs typeface="+mn-lt"/>
+              </a:rPr>
+            </a:br>
+            <a:r>
+              <a:rPr lang="en-US" sz="2750">
+                <a:solidFill>
+                  <a:schemeClr val="bg1"/>
+                </a:solidFill>
+                <a:latin typeface="&amp;quot;Open Sans Light_MSFontSer"/>
+                <a:ea typeface="+mn-lt"/>
+                <a:cs typeface="+mn-lt"/>
+              </a:rPr>
+              <a:t>- 70kb</a:t>
+            </a:r>
+            <a:br>
+              <a:rPr lang="en-US" sz="2750" dirty="0">
+                <a:latin typeface="&amp;quot;Open Sans Light_MSFontSer"/>
+                <a:ea typeface="+mn-lt"/>
+                <a:cs typeface="+mn-lt"/>
+              </a:rPr>
+            </a:br>
+            <a:r>
+              <a:rPr lang="en-US" sz="2750">
+                <a:solidFill>
+                  <a:schemeClr val="bg1"/>
+                </a:solidFill>
+                <a:latin typeface="&amp;quot;Open Sans Light_MSFontSer"/>
+                <a:ea typeface="+mn-lt"/>
+                <a:cs typeface="+mn-lt"/>
+              </a:rPr>
+              <a:t>- 139kb</a:t>
+            </a:r>
+            <a:br>
+              <a:rPr lang="en-US" sz="2750" dirty="0">
+                <a:latin typeface="&amp;quot;Open Sans Light_MSFontSer"/>
+                <a:ea typeface="+mn-lt"/>
+                <a:cs typeface="+mn-lt"/>
+              </a:rPr>
+            </a:br>
+            <a:r>
+              <a:rPr lang="en-US" sz="2750">
+                <a:solidFill>
+                  <a:schemeClr val="bg1"/>
+                </a:solidFill>
+                <a:latin typeface="&amp;quot;Open Sans Light_MSFontSer"/>
+                <a:ea typeface="+mn-lt"/>
+                <a:cs typeface="+mn-lt"/>
+              </a:rPr>
+              <a:t>- 278kb</a:t>
+            </a:r>
+            <a:br>
+              <a:rPr lang="en-US" sz="2750" dirty="0">
+                <a:latin typeface="&amp;quot;Open Sans Light_MSFontSer"/>
+                <a:ea typeface="+mn-lt"/>
+                <a:cs typeface="+mn-lt"/>
+              </a:rPr>
+            </a:br>
+            <a:r>
+              <a:rPr lang="en-US" sz="2750">
+                <a:solidFill>
+                  <a:schemeClr val="bg1"/>
+                </a:solidFill>
+                <a:latin typeface="&amp;quot;Open Sans Light_MSFontSer"/>
+                <a:ea typeface="+mn-lt"/>
+                <a:cs typeface="+mn-lt"/>
+              </a:rPr>
+              <a:t>- 417kb</a:t>
+            </a:r>
+            <a:br>
+              <a:rPr lang="en-US" sz="2750" dirty="0">
+                <a:latin typeface="&amp;quot;Open Sans Light_MSFontSer"/>
+                <a:ea typeface="+mn-lt"/>
+                <a:cs typeface="+mn-lt"/>
+              </a:rPr>
+            </a:br>
+            <a:r>
+              <a:rPr lang="en-US" sz="2750">
+                <a:solidFill>
+                  <a:schemeClr val="bg1"/>
+                </a:solidFill>
+                <a:latin typeface="&amp;quot;Open Sans Light_MSFontSer"/>
+                <a:ea typeface="+mn-lt"/>
+                <a:cs typeface="+mn-lt"/>
+              </a:rPr>
+              <a:t>- 833kb</a:t>
+            </a:r>
+            <a:endParaRPr lang="en-US">
+              <a:solidFill>
+                <a:schemeClr val="bg1"/>
+              </a:solidFill>
+              <a:latin typeface="&amp;quot;Open Sans Light_MSFontSer"/>
+            </a:endParaRPr>
+          </a:p>
+        </p:txBody>
+      </p:sp>
+      <p:pic>
+        <p:nvPicPr>
+          <p:cNvPr id="11" name="Picture 13" descr="Chart, bar chart&#10;&#10;Description automatically generated">
+            <a:extLst>
+              <a:ext uri="{FF2B5EF4-FFF2-40B4-BE49-F238E27FC236}">
+                <a16:creationId xmlns:a16="http://schemas.microsoft.com/office/drawing/2014/main" id="{4045126A-3ABF-4328-B097-CC82C8EEF7D0}"/>
+              </a:ext>
+            </a:extLst>
+          </p:cNvPr>
+          <p:cNvPicPr>
+            <a:picLocks noChangeAspect="1"/>
+          </p:cNvPicPr>
+          <p:nvPr/>
+        </p:nvPicPr>
+        <p:blipFill>
+          <a:blip r:embed="rId2"/>
+          <a:stretch>
+            <a:fillRect/>
+          </a:stretch>
+        </p:blipFill>
+        <p:spPr>
+          <a:xfrm>
+            <a:off x="2170828" y="3122032"/>
+            <a:ext cx="13728215" cy="6590692"/>
+          </a:xfrm>
+          <a:prstGeom prst="rect">
+            <a:avLst/>
+          </a:prstGeom>
+        </p:spPr>
+      </p:pic>
+    </p:spTree>
+    <p:extLst>
+      <p:ext uri="{BB962C8B-B14F-4D97-AF65-F5344CB8AC3E}">
+        <p14:creationId xmlns:p14="http://schemas.microsoft.com/office/powerpoint/2010/main" val="2636156596"/>
+      </p:ext>
+    </p:extLst>
+  </p:cSld>
+  <p:clrMapOvr>
+    <a:masterClrMapping/>
+  </p:clrMapOvr>
+</p:sld>
+</file>
+
+<file path=ppt/slides/slide8.xml><?xml version="1.0" encoding="utf-8"?>
+<p:sld xmlns:a="http://schemas.openxmlformats.org/drawingml/2006/main" xmlns:r="http://schemas.openxmlformats.org/officeDocument/2006/relationships" xmlns:p="http://schemas.openxmlformats.org/presentationml/2006/main">
+  <p:cSld>
+    <p:bg>
+      <p:bgPr>
+        <a:solidFill>
+          <a:srgbClr val="FF914D"/>
+        </a:solidFill>
+        <a:effectLst/>
+      </p:bgPr>
+    </p:bg>
+    <p:spTree>
+      <p:nvGrpSpPr>
+        <p:cNvPr id="1" name=""/>
+        <p:cNvGrpSpPr/>
+        <p:nvPr/>
+      </p:nvGrpSpPr>
+      <p:grpSpPr>
+        <a:xfrm>
+          <a:off x="0" y="0"/>
+          <a:ext cx="0" cy="0"/>
+          <a:chOff x="0" y="0"/>
+          <a:chExt cx="0" cy="0"/>
+        </a:xfrm>
+      </p:grpSpPr>
+      <p:grpSp>
+        <p:nvGrpSpPr>
+          <p:cNvPr id="2" name="Group 2"/>
+          <p:cNvGrpSpPr/>
+          <p:nvPr/>
+        </p:nvGrpSpPr>
+        <p:grpSpPr>
+          <a:xfrm>
+            <a:off x="8629650" y="0"/>
+            <a:ext cx="9658350" cy="10287000"/>
+            <a:chOff x="0" y="0"/>
+            <a:chExt cx="3267146" cy="3479800"/>
+          </a:xfrm>
+        </p:grpSpPr>
+        <p:sp>
+          <p:nvSpPr>
+            <p:cNvPr id="3" name="Freeform 3"/>
+            <p:cNvSpPr/>
+            <p:nvPr/>
+          </p:nvSpPr>
+          <p:spPr>
+            <a:xfrm>
+              <a:off x="0" y="0"/>
+              <a:ext cx="3267146" cy="3479800"/>
+            </a:xfrm>
+            <a:custGeom>
+              <a:avLst/>
+              <a:gdLst/>
+              <a:ahLst/>
+              <a:cxnLst/>
+              <a:rect l="l" t="t" r="r" b="b"/>
+              <a:pathLst>
+                <a:path w="3267146" h="3479800">
+                  <a:moveTo>
+                    <a:pt x="0" y="0"/>
+                  </a:moveTo>
+                  <a:lnTo>
+                    <a:pt x="3267146" y="0"/>
+                  </a:lnTo>
+                  <a:lnTo>
+                    <a:pt x="3267146" y="3479800"/>
+                  </a:lnTo>
+                  <a:lnTo>
+                    <a:pt x="0" y="3479800"/>
+                  </a:lnTo>
+                  <a:close/>
+                </a:path>
+              </a:pathLst>
+            </a:custGeom>
+            <a:solidFill>
+              <a:srgbClr val="004AAD"/>
+            </a:solidFill>
+          </p:spPr>
+        </p:sp>
+      </p:grpSp>
+      <p:grpSp>
+        <p:nvGrpSpPr>
+          <p:cNvPr id="4" name="Group 4"/>
+          <p:cNvGrpSpPr/>
+          <p:nvPr/>
+        </p:nvGrpSpPr>
+        <p:grpSpPr>
+          <a:xfrm>
+            <a:off x="16648765" y="8740635"/>
+            <a:ext cx="1289957" cy="1526261"/>
+            <a:chOff x="0" y="0"/>
+            <a:chExt cx="1719943" cy="2035015"/>
+          </a:xfrm>
+        </p:grpSpPr>
+        <p:grpSp>
+          <p:nvGrpSpPr>
+            <p:cNvPr id="5" name="Group 5"/>
+            <p:cNvGrpSpPr/>
+            <p:nvPr/>
+          </p:nvGrpSpPr>
+          <p:grpSpPr>
+            <a:xfrm>
+              <a:off x="0" y="0"/>
+              <a:ext cx="1719943" cy="1719943"/>
+              <a:chOff x="0" y="0"/>
+              <a:chExt cx="6350000" cy="6350000"/>
+            </a:xfrm>
+          </p:grpSpPr>
+          <p:sp>
+            <p:nvSpPr>
+              <p:cNvPr id="6" name="Freeform 6"/>
+              <p:cNvSpPr/>
+              <p:nvPr/>
+            </p:nvSpPr>
+            <p:spPr>
+              <a:xfrm>
+                <a:off x="14167" y="0"/>
+                <a:ext cx="6321665" cy="6350000"/>
+              </a:xfrm>
+              <a:custGeom>
+                <a:avLst/>
+                <a:gdLst/>
+                <a:ahLst/>
+                <a:cxnLst/>
+                <a:rect l="l" t="t" r="r" b="b"/>
+                <a:pathLst>
+                  <a:path w="6321665" h="6350000">
+                    <a:moveTo>
+                      <a:pt x="3160833" y="0"/>
+                    </a:moveTo>
+                    <a:lnTo>
+                      <a:pt x="3160833" y="0"/>
+                    </a:lnTo>
+                    <a:cubicBezTo>
+                      <a:pt x="4908795" y="7817"/>
+                      <a:pt x="6321666" y="1427021"/>
+                      <a:pt x="6321666" y="3175000"/>
+                    </a:cubicBezTo>
+                    <a:cubicBezTo>
+                      <a:pt x="6321666" y="4922979"/>
+                      <a:pt x="4908795" y="6342183"/>
+                      <a:pt x="3160833" y="6350000"/>
+                    </a:cubicBezTo>
+                    <a:cubicBezTo>
+                      <a:pt x="1412871" y="6342183"/>
+                      <a:pt x="0" y="4922979"/>
+                      <a:pt x="0" y="3175000"/>
+                    </a:cubicBezTo>
+                    <a:cubicBezTo>
+                      <a:pt x="0" y="1427021"/>
+                      <a:pt x="1412871" y="7817"/>
+                      <a:pt x="3160833" y="0"/>
+                    </a:cubicBezTo>
+                    <a:close/>
+                  </a:path>
+                </a:pathLst>
+              </a:custGeom>
+              <a:solidFill>
+                <a:srgbClr val="FF914D"/>
+              </a:solidFill>
+            </p:spPr>
+          </p:sp>
+        </p:grpSp>
+        <p:sp>
+          <p:nvSpPr>
+            <p:cNvPr id="7" name="TextBox 7"/>
+            <p:cNvSpPr txBox="1"/>
+            <p:nvPr/>
+          </p:nvSpPr>
+          <p:spPr>
+            <a:xfrm>
+              <a:off x="696856" y="450820"/>
+              <a:ext cx="326231" cy="1584195"/>
+            </a:xfrm>
+            <a:prstGeom prst="rect">
+              <a:avLst/>
+            </a:prstGeom>
+          </p:spPr>
+          <p:txBody>
+            <a:bodyPr lIns="0" tIns="0" rIns="0" bIns="0" rtlCol="0" anchor="t">
+              <a:spAutoFit/>
+            </a:bodyPr>
+            <a:lstStyle/>
+            <a:p>
+              <a:pPr algn="ctr">
+                <a:lnSpc>
+                  <a:spcPts val="4759"/>
+                </a:lnSpc>
+              </a:pPr>
+              <a:r>
+                <a:rPr lang="en-US" sz="3350">
+                  <a:solidFill>
+                    <a:srgbClr val="FFFFFF"/>
+                  </a:solidFill>
+                  <a:latin typeface="Open Sans Light Bold"/>
+                  <a:ea typeface="Open Sans Light Bold"/>
+                  <a:cs typeface="Open Sans Light Bold"/>
+                </a:rPr>
+                <a:t>8</a:t>
+              </a:r>
+            </a:p>
+            <a:p>
+              <a:pPr algn="ctr">
+                <a:lnSpc>
+                  <a:spcPts val="4759"/>
+                </a:lnSpc>
+              </a:pPr>
+              <a:endParaRPr lang="en-US" sz="3350" dirty="0">
+                <a:solidFill>
+                  <a:srgbClr val="FFFFFF"/>
+                </a:solidFill>
+                <a:latin typeface="Open Sans Light Bold"/>
+                <a:ea typeface="Open Sans Light Bold"/>
+                <a:cs typeface="Open Sans Light Bold"/>
+              </a:endParaRPr>
             </a:p>
           </p:txBody>
         </p:sp>
